--- a/Plots_for_ISBE.pptx
+++ b/Plots_for_ISBE.pptx
@@ -4,6 +4,9 @@
   <p:sldMasterIdLst>
     <p:sldMasterId id="2147483648" r:id="rId1"/>
   </p:sldMasterIdLst>
+  <p:notesMasterIdLst>
+    <p:notesMasterId r:id="rId23"/>
+  </p:notesMasterIdLst>
   <p:sldIdLst>
     <p:sldId id="257" r:id="rId2"/>
     <p:sldId id="258" r:id="rId3"/>
@@ -11,6 +14,21 @@
     <p:sldId id="260" r:id="rId5"/>
     <p:sldId id="261" r:id="rId6"/>
     <p:sldId id="256" r:id="rId7"/>
+    <p:sldId id="262" r:id="rId8"/>
+    <p:sldId id="265" r:id="rId9"/>
+    <p:sldId id="266" r:id="rId10"/>
+    <p:sldId id="267" r:id="rId11"/>
+    <p:sldId id="268" r:id="rId12"/>
+    <p:sldId id="273" r:id="rId13"/>
+    <p:sldId id="274" r:id="rId14"/>
+    <p:sldId id="275" r:id="rId15"/>
+    <p:sldId id="276" r:id="rId16"/>
+    <p:sldId id="277" r:id="rId17"/>
+    <p:sldId id="278" r:id="rId18"/>
+    <p:sldId id="283" r:id="rId19"/>
+    <p:sldId id="279" r:id="rId20"/>
+    <p:sldId id="281" r:id="rId21"/>
+    <p:sldId id="282" r:id="rId22"/>
   </p:sldIdLst>
   <p:sldSz cx="12192000" cy="6858000"/>
   <p:notesSz cx="6858000" cy="9144000"/>
@@ -110,6 +128,439 @@
     </a:lvl9pPr>
   </p:defaultTextStyle>
 </p:presentation>
+</file>
+
+<file path=ppt/notesMasters/notesMaster1.xml><?xml version="1.0" encoding="utf-8"?>
+<p:notesMaster xmlns:a="http://schemas.openxmlformats.org/drawingml/2006/main" xmlns:r="http://schemas.openxmlformats.org/officeDocument/2006/relationships" xmlns:p="http://schemas.openxmlformats.org/presentationml/2006/main">
+  <p:cSld>
+    <p:bg>
+      <p:bgRef idx="1001">
+        <a:schemeClr val="bg1"/>
+      </p:bgRef>
+    </p:bg>
+    <p:spTree>
+      <p:nvGrpSpPr>
+        <p:cNvPr id="1" name=""/>
+        <p:cNvGrpSpPr/>
+        <p:nvPr/>
+      </p:nvGrpSpPr>
+      <p:grpSpPr>
+        <a:xfrm>
+          <a:off x="0" y="0"/>
+          <a:ext cx="0" cy="0"/>
+          <a:chOff x="0" y="0"/>
+          <a:chExt cx="0" cy="0"/>
+        </a:xfrm>
+      </p:grpSpPr>
+      <p:sp>
+        <p:nvSpPr>
+          <p:cNvPr id="2" name="Header Placeholder 1"/>
+          <p:cNvSpPr>
+            <a:spLocks noGrp="1"/>
+          </p:cNvSpPr>
+          <p:nvPr>
+            <p:ph type="hdr" sz="quarter"/>
+          </p:nvPr>
+        </p:nvSpPr>
+        <p:spPr>
+          <a:xfrm>
+            <a:off x="0" y="0"/>
+            <a:ext cx="2971800" cy="458788"/>
+          </a:xfrm>
+          <a:prstGeom prst="rect">
+            <a:avLst/>
+          </a:prstGeom>
+        </p:spPr>
+        <p:txBody>
+          <a:bodyPr vert="horz" lIns="91440" tIns="45720" rIns="91440" bIns="45720" rtlCol="0"/>
+          <a:lstStyle>
+            <a:lvl1pPr algn="l">
+              <a:defRPr sz="1200"/>
+            </a:lvl1pPr>
+          </a:lstStyle>
+          <a:p>
+            <a:endParaRPr lang="en-US"/>
+          </a:p>
+        </p:txBody>
+      </p:sp>
+      <p:sp>
+        <p:nvSpPr>
+          <p:cNvPr id="3" name="Date Placeholder 2"/>
+          <p:cNvSpPr>
+            <a:spLocks noGrp="1"/>
+          </p:cNvSpPr>
+          <p:nvPr>
+            <p:ph type="dt" idx="1"/>
+          </p:nvPr>
+        </p:nvSpPr>
+        <p:spPr>
+          <a:xfrm>
+            <a:off x="3884613" y="0"/>
+            <a:ext cx="2971800" cy="458788"/>
+          </a:xfrm>
+          <a:prstGeom prst="rect">
+            <a:avLst/>
+          </a:prstGeom>
+        </p:spPr>
+        <p:txBody>
+          <a:bodyPr vert="horz" lIns="91440" tIns="45720" rIns="91440" bIns="45720" rtlCol="0"/>
+          <a:lstStyle>
+            <a:lvl1pPr algn="r">
+              <a:defRPr sz="1200"/>
+            </a:lvl1pPr>
+          </a:lstStyle>
+          <a:p>
+            <a:fld id="{17C87CC7-9F66-2A43-A84C-4928A9B3AAFC}" type="datetimeFigureOut">
+              <a:rPr lang="en-US" smtClean="0"/>
+              <a:t>9/11/24</a:t>
+            </a:fld>
+            <a:endParaRPr lang="en-US"/>
+          </a:p>
+        </p:txBody>
+      </p:sp>
+      <p:sp>
+        <p:nvSpPr>
+          <p:cNvPr id="4" name="Slide Image Placeholder 3"/>
+          <p:cNvSpPr>
+            <a:spLocks noGrp="1" noRot="1" noChangeAspect="1"/>
+          </p:cNvSpPr>
+          <p:nvPr>
+            <p:ph type="sldImg" idx="2"/>
+          </p:nvPr>
+        </p:nvSpPr>
+        <p:spPr>
+          <a:xfrm>
+            <a:off x="685800" y="1143000"/>
+            <a:ext cx="5486400" cy="3086100"/>
+          </a:xfrm>
+          <a:prstGeom prst="rect">
+            <a:avLst/>
+          </a:prstGeom>
+          <a:noFill/>
+          <a:ln w="12700">
+            <a:solidFill>
+              <a:prstClr val="black"/>
+            </a:solidFill>
+          </a:ln>
+        </p:spPr>
+        <p:txBody>
+          <a:bodyPr vert="horz" lIns="91440" tIns="45720" rIns="91440" bIns="45720" rtlCol="0" anchor="ctr"/>
+          <a:lstStyle/>
+          <a:p>
+            <a:endParaRPr lang="en-US"/>
+          </a:p>
+        </p:txBody>
+      </p:sp>
+      <p:sp>
+        <p:nvSpPr>
+          <p:cNvPr id="5" name="Notes Placeholder 4"/>
+          <p:cNvSpPr>
+            <a:spLocks noGrp="1"/>
+          </p:cNvSpPr>
+          <p:nvPr>
+            <p:ph type="body" sz="quarter" idx="3"/>
+          </p:nvPr>
+        </p:nvSpPr>
+        <p:spPr>
+          <a:xfrm>
+            <a:off x="685800" y="4400550"/>
+            <a:ext cx="5486400" cy="3600450"/>
+          </a:xfrm>
+          <a:prstGeom prst="rect">
+            <a:avLst/>
+          </a:prstGeom>
+        </p:spPr>
+        <p:txBody>
+          <a:bodyPr vert="horz" lIns="91440" tIns="45720" rIns="91440" bIns="45720" rtlCol="0"/>
+          <a:lstStyle/>
+          <a:p>
+            <a:pPr lvl="0"/>
+            <a:r>
+              <a:rPr lang="en-US"/>
+              <a:t>Click to edit Master text styles</a:t>
+            </a:r>
+          </a:p>
+          <a:p>
+            <a:pPr lvl="1"/>
+            <a:r>
+              <a:rPr lang="en-US"/>
+              <a:t>Second level</a:t>
+            </a:r>
+          </a:p>
+          <a:p>
+            <a:pPr lvl="2"/>
+            <a:r>
+              <a:rPr lang="en-US"/>
+              <a:t>Third level</a:t>
+            </a:r>
+          </a:p>
+          <a:p>
+            <a:pPr lvl="3"/>
+            <a:r>
+              <a:rPr lang="en-US"/>
+              <a:t>Fourth level</a:t>
+            </a:r>
+          </a:p>
+          <a:p>
+            <a:pPr lvl="4"/>
+            <a:r>
+              <a:rPr lang="en-US"/>
+              <a:t>Fifth level</a:t>
+            </a:r>
+          </a:p>
+        </p:txBody>
+      </p:sp>
+      <p:sp>
+        <p:nvSpPr>
+          <p:cNvPr id="6" name="Footer Placeholder 5"/>
+          <p:cNvSpPr>
+            <a:spLocks noGrp="1"/>
+          </p:cNvSpPr>
+          <p:nvPr>
+            <p:ph type="ftr" sz="quarter" idx="4"/>
+          </p:nvPr>
+        </p:nvSpPr>
+        <p:spPr>
+          <a:xfrm>
+            <a:off x="0" y="8685213"/>
+            <a:ext cx="2971800" cy="458787"/>
+          </a:xfrm>
+          <a:prstGeom prst="rect">
+            <a:avLst/>
+          </a:prstGeom>
+        </p:spPr>
+        <p:txBody>
+          <a:bodyPr vert="horz" lIns="91440" tIns="45720" rIns="91440" bIns="45720" rtlCol="0" anchor="b"/>
+          <a:lstStyle>
+            <a:lvl1pPr algn="l">
+              <a:defRPr sz="1200"/>
+            </a:lvl1pPr>
+          </a:lstStyle>
+          <a:p>
+            <a:endParaRPr lang="en-US"/>
+          </a:p>
+        </p:txBody>
+      </p:sp>
+      <p:sp>
+        <p:nvSpPr>
+          <p:cNvPr id="7" name="Slide Number Placeholder 6"/>
+          <p:cNvSpPr>
+            <a:spLocks noGrp="1"/>
+          </p:cNvSpPr>
+          <p:nvPr>
+            <p:ph type="sldNum" sz="quarter" idx="5"/>
+          </p:nvPr>
+        </p:nvSpPr>
+        <p:spPr>
+          <a:xfrm>
+            <a:off x="3884613" y="8685213"/>
+            <a:ext cx="2971800" cy="458787"/>
+          </a:xfrm>
+          <a:prstGeom prst="rect">
+            <a:avLst/>
+          </a:prstGeom>
+        </p:spPr>
+        <p:txBody>
+          <a:bodyPr vert="horz" lIns="91440" tIns="45720" rIns="91440" bIns="45720" rtlCol="0" anchor="b"/>
+          <a:lstStyle>
+            <a:lvl1pPr algn="r">
+              <a:defRPr sz="1200"/>
+            </a:lvl1pPr>
+          </a:lstStyle>
+          <a:p>
+            <a:fld id="{B88F8E16-2899-F34F-A1CA-7D03B62A1C19}" type="slidenum">
+              <a:rPr lang="en-US" smtClean="0"/>
+              <a:t>‹#›</a:t>
+            </a:fld>
+            <a:endParaRPr lang="en-US"/>
+          </a:p>
+        </p:txBody>
+      </p:sp>
+    </p:spTree>
+    <p:extLst>
+      <p:ext uri="{BB962C8B-B14F-4D97-AF65-F5344CB8AC3E}">
+        <p14:creationId xmlns:p14="http://schemas.microsoft.com/office/powerpoint/2010/main" val="1299410073"/>
+      </p:ext>
+    </p:extLst>
+  </p:cSld>
+  <p:clrMap bg1="lt1" tx1="dk1" bg2="lt2" tx2="dk2" accent1="accent1" accent2="accent2" accent3="accent3" accent4="accent4" accent5="accent5" accent6="accent6" hlink="hlink" folHlink="folHlink"/>
+  <p:notesStyle>
+    <a:lvl1pPr marL="0" algn="l" defTabSz="914400" rtl="0" eaLnBrk="1" latinLnBrk="0" hangingPunct="1">
+      <a:defRPr sz="1200" kern="1200">
+        <a:solidFill>
+          <a:schemeClr val="tx1"/>
+        </a:solidFill>
+        <a:latin typeface="+mn-lt"/>
+        <a:ea typeface="+mn-ea"/>
+        <a:cs typeface="+mn-cs"/>
+      </a:defRPr>
+    </a:lvl1pPr>
+    <a:lvl2pPr marL="457200" algn="l" defTabSz="914400" rtl="0" eaLnBrk="1" latinLnBrk="0" hangingPunct="1">
+      <a:defRPr sz="1200" kern="1200">
+        <a:solidFill>
+          <a:schemeClr val="tx1"/>
+        </a:solidFill>
+        <a:latin typeface="+mn-lt"/>
+        <a:ea typeface="+mn-ea"/>
+        <a:cs typeface="+mn-cs"/>
+      </a:defRPr>
+    </a:lvl2pPr>
+    <a:lvl3pPr marL="914400" algn="l" defTabSz="914400" rtl="0" eaLnBrk="1" latinLnBrk="0" hangingPunct="1">
+      <a:defRPr sz="1200" kern="1200">
+        <a:solidFill>
+          <a:schemeClr val="tx1"/>
+        </a:solidFill>
+        <a:latin typeface="+mn-lt"/>
+        <a:ea typeface="+mn-ea"/>
+        <a:cs typeface="+mn-cs"/>
+      </a:defRPr>
+    </a:lvl3pPr>
+    <a:lvl4pPr marL="1371600" algn="l" defTabSz="914400" rtl="0" eaLnBrk="1" latinLnBrk="0" hangingPunct="1">
+      <a:defRPr sz="1200" kern="1200">
+        <a:solidFill>
+          <a:schemeClr val="tx1"/>
+        </a:solidFill>
+        <a:latin typeface="+mn-lt"/>
+        <a:ea typeface="+mn-ea"/>
+        <a:cs typeface="+mn-cs"/>
+      </a:defRPr>
+    </a:lvl4pPr>
+    <a:lvl5pPr marL="1828800" algn="l" defTabSz="914400" rtl="0" eaLnBrk="1" latinLnBrk="0" hangingPunct="1">
+      <a:defRPr sz="1200" kern="1200">
+        <a:solidFill>
+          <a:schemeClr val="tx1"/>
+        </a:solidFill>
+        <a:latin typeface="+mn-lt"/>
+        <a:ea typeface="+mn-ea"/>
+        <a:cs typeface="+mn-cs"/>
+      </a:defRPr>
+    </a:lvl5pPr>
+    <a:lvl6pPr marL="2286000" algn="l" defTabSz="914400" rtl="0" eaLnBrk="1" latinLnBrk="0" hangingPunct="1">
+      <a:defRPr sz="1200" kern="1200">
+        <a:solidFill>
+          <a:schemeClr val="tx1"/>
+        </a:solidFill>
+        <a:latin typeface="+mn-lt"/>
+        <a:ea typeface="+mn-ea"/>
+        <a:cs typeface="+mn-cs"/>
+      </a:defRPr>
+    </a:lvl6pPr>
+    <a:lvl7pPr marL="2743200" algn="l" defTabSz="914400" rtl="0" eaLnBrk="1" latinLnBrk="0" hangingPunct="1">
+      <a:defRPr sz="1200" kern="1200">
+        <a:solidFill>
+          <a:schemeClr val="tx1"/>
+        </a:solidFill>
+        <a:latin typeface="+mn-lt"/>
+        <a:ea typeface="+mn-ea"/>
+        <a:cs typeface="+mn-cs"/>
+      </a:defRPr>
+    </a:lvl7pPr>
+    <a:lvl8pPr marL="3200400" algn="l" defTabSz="914400" rtl="0" eaLnBrk="1" latinLnBrk="0" hangingPunct="1">
+      <a:defRPr sz="1200" kern="1200">
+        <a:solidFill>
+          <a:schemeClr val="tx1"/>
+        </a:solidFill>
+        <a:latin typeface="+mn-lt"/>
+        <a:ea typeface="+mn-ea"/>
+        <a:cs typeface="+mn-cs"/>
+      </a:defRPr>
+    </a:lvl8pPr>
+    <a:lvl9pPr marL="3657600" algn="l" defTabSz="914400" rtl="0" eaLnBrk="1" latinLnBrk="0" hangingPunct="1">
+      <a:defRPr sz="1200" kern="1200">
+        <a:solidFill>
+          <a:schemeClr val="tx1"/>
+        </a:solidFill>
+        <a:latin typeface="+mn-lt"/>
+        <a:ea typeface="+mn-ea"/>
+        <a:cs typeface="+mn-cs"/>
+      </a:defRPr>
+    </a:lvl9pPr>
+  </p:notesStyle>
+</p:notesMaster>
+</file>
+
+<file path=ppt/notesSlides/notesSlide1.xml><?xml version="1.0" encoding="utf-8"?>
+<p:notes xmlns:a="http://schemas.openxmlformats.org/drawingml/2006/main" xmlns:r="http://schemas.openxmlformats.org/officeDocument/2006/relationships" xmlns:p="http://schemas.openxmlformats.org/presentationml/2006/main">
+  <p:cSld>
+    <p:spTree>
+      <p:nvGrpSpPr>
+        <p:cNvPr id="1" name=""/>
+        <p:cNvGrpSpPr/>
+        <p:nvPr/>
+      </p:nvGrpSpPr>
+      <p:grpSpPr>
+        <a:xfrm>
+          <a:off x="0" y="0"/>
+          <a:ext cx="0" cy="0"/>
+          <a:chOff x="0" y="0"/>
+          <a:chExt cx="0" cy="0"/>
+        </a:xfrm>
+      </p:grpSpPr>
+      <p:sp>
+        <p:nvSpPr>
+          <p:cNvPr id="2" name="Slide Image Placeholder 1"/>
+          <p:cNvSpPr>
+            <a:spLocks noGrp="1" noRot="1" noChangeAspect="1"/>
+          </p:cNvSpPr>
+          <p:nvPr>
+            <p:ph type="sldImg"/>
+          </p:nvPr>
+        </p:nvSpPr>
+        <p:spPr/>
+      </p:sp>
+      <p:sp>
+        <p:nvSpPr>
+          <p:cNvPr id="3" name="Notes Placeholder 2"/>
+          <p:cNvSpPr>
+            <a:spLocks noGrp="1"/>
+          </p:cNvSpPr>
+          <p:nvPr>
+            <p:ph type="body" idx="1"/>
+          </p:nvPr>
+        </p:nvSpPr>
+        <p:spPr/>
+        <p:txBody>
+          <a:bodyPr/>
+          <a:lstStyle/>
+          <a:p>
+            <a:endParaRPr lang="en-US" dirty="0"/>
+          </a:p>
+        </p:txBody>
+      </p:sp>
+      <p:sp>
+        <p:nvSpPr>
+          <p:cNvPr id="4" name="Slide Number Placeholder 3"/>
+          <p:cNvSpPr>
+            <a:spLocks noGrp="1"/>
+          </p:cNvSpPr>
+          <p:nvPr>
+            <p:ph type="sldNum" sz="quarter" idx="5"/>
+          </p:nvPr>
+        </p:nvSpPr>
+        <p:spPr/>
+        <p:txBody>
+          <a:bodyPr/>
+          <a:lstStyle/>
+          <a:p>
+            <a:fld id="{B88F8E16-2899-F34F-A1CA-7D03B62A1C19}" type="slidenum">
+              <a:rPr lang="en-US" smtClean="0"/>
+              <a:t>1</a:t>
+            </a:fld>
+            <a:endParaRPr lang="en-US"/>
+          </a:p>
+        </p:txBody>
+      </p:sp>
+    </p:spTree>
+    <p:extLst>
+      <p:ext uri="{BB962C8B-B14F-4D97-AF65-F5344CB8AC3E}">
+        <p14:creationId xmlns:p14="http://schemas.microsoft.com/office/powerpoint/2010/main" val="2006884033"/>
+      </p:ext>
+    </p:extLst>
+  </p:cSld>
+  <p:clrMapOvr>
+    <a:masterClrMapping/>
+  </p:clrMapOvr>
+</p:notes>
 </file>
 
 <file path=ppt/slideLayouts/slideLayout1.xml><?xml version="1.0" encoding="utf-8"?>
@@ -3341,6 +3792,101 @@
           <p:nvPr/>
         </p:nvPicPr>
         <p:blipFill>
+          <a:blip r:embed="rId3"/>
+          <a:stretch>
+            <a:fillRect/>
+          </a:stretch>
+        </p:blipFill>
+        <p:spPr>
+          <a:xfrm>
+            <a:off x="301138" y="1260087"/>
+            <a:ext cx="11589723" cy="5129561"/>
+          </a:xfrm>
+          <a:prstGeom prst="rect">
+            <a:avLst/>
+          </a:prstGeom>
+        </p:spPr>
+      </p:pic>
+      <p:sp>
+        <p:nvSpPr>
+          <p:cNvPr id="6" name="TextBox 5">
+            <a:extLst>
+              <a:ext uri="{FF2B5EF4-FFF2-40B4-BE49-F238E27FC236}">
+                <a16:creationId xmlns:a16="http://schemas.microsoft.com/office/drawing/2014/main" id="{77CDACE7-FDBC-BB37-BE00-B47FDEDF4A48}"/>
+              </a:ext>
+            </a:extLst>
+          </p:cNvPr>
+          <p:cNvSpPr txBox="1"/>
+          <p:nvPr/>
+        </p:nvSpPr>
+        <p:spPr>
+          <a:xfrm>
+            <a:off x="401444" y="178420"/>
+            <a:ext cx="3478068" cy="369332"/>
+          </a:xfrm>
+          <a:prstGeom prst="rect">
+            <a:avLst/>
+          </a:prstGeom>
+          <a:noFill/>
+        </p:spPr>
+        <p:txBody>
+          <a:bodyPr wrap="none" rtlCol="0">
+            <a:spAutoFit/>
+          </a:bodyPr>
+          <a:lstStyle/>
+          <a:p>
+            <a:r>
+              <a:rPr lang="en-US" dirty="0"/>
+              <a:t>Full data, separated by treatment</a:t>
+            </a:r>
+          </a:p>
+        </p:txBody>
+      </p:sp>
+    </p:spTree>
+    <p:extLst>
+      <p:ext uri="{BB962C8B-B14F-4D97-AF65-F5344CB8AC3E}">
+        <p14:creationId xmlns:p14="http://schemas.microsoft.com/office/powerpoint/2010/main" val="33943157"/>
+      </p:ext>
+    </p:extLst>
+  </p:cSld>
+  <p:clrMapOvr>
+    <a:masterClrMapping/>
+  </p:clrMapOvr>
+</p:sld>
+</file>
+
+<file path=ppt/slides/slide10.xml><?xml version="1.0" encoding="utf-8"?>
+<p:sld xmlns:a="http://schemas.openxmlformats.org/drawingml/2006/main" xmlns:r="http://schemas.openxmlformats.org/officeDocument/2006/relationships" xmlns:p="http://schemas.openxmlformats.org/presentationml/2006/main">
+  <p:cSld>
+    <p:spTree>
+      <p:nvGrpSpPr>
+        <p:cNvPr id="1" name=""/>
+        <p:cNvGrpSpPr/>
+        <p:nvPr/>
+      </p:nvGrpSpPr>
+      <p:grpSpPr>
+        <a:xfrm>
+          <a:off x="0" y="0"/>
+          <a:ext cx="0" cy="0"/>
+          <a:chOff x="0" y="0"/>
+          <a:chExt cx="0" cy="0"/>
+        </a:xfrm>
+      </p:grpSpPr>
+      <p:pic>
+        <p:nvPicPr>
+          <p:cNvPr id="3" name="Picture 2" descr="A graph with blue dots&#10;&#10;Description automatically generated">
+            <a:extLst>
+              <a:ext uri="{FF2B5EF4-FFF2-40B4-BE49-F238E27FC236}">
+                <a16:creationId xmlns:a16="http://schemas.microsoft.com/office/drawing/2014/main" id="{391C8C79-BF60-71A5-F697-7350F7EBA125}"/>
+              </a:ext>
+            </a:extLst>
+          </p:cNvPr>
+          <p:cNvPicPr>
+            <a:picLocks noChangeAspect="1"/>
+          </p:cNvPicPr>
+          <p:nvPr/>
+        </p:nvPicPr>
+        <p:blipFill>
           <a:blip r:embed="rId2"/>
           <a:stretch>
             <a:fillRect/>
@@ -3348,8 +3894,8 @@
         </p:blipFill>
         <p:spPr>
           <a:xfrm>
-            <a:off x="301138" y="1260087"/>
-            <a:ext cx="11589723" cy="5129561"/>
+            <a:off x="1524000" y="1143000"/>
+            <a:ext cx="7772400" cy="3886200"/>
           </a:xfrm>
           <a:prstGeom prst="rect">
             <a:avLst/>
@@ -3358,10 +3904,10 @@
       </p:pic>
       <p:sp>
         <p:nvSpPr>
-          <p:cNvPr id="6" name="TextBox 5">
-            <a:extLst>
-              <a:ext uri="{FF2B5EF4-FFF2-40B4-BE49-F238E27FC236}">
-                <a16:creationId xmlns:a16="http://schemas.microsoft.com/office/drawing/2014/main" id="{77CDACE7-FDBC-BB37-BE00-B47FDEDF4A48}"/>
+          <p:cNvPr id="4" name="TextBox 3">
+            <a:extLst>
+              <a:ext uri="{FF2B5EF4-FFF2-40B4-BE49-F238E27FC236}">
+                <a16:creationId xmlns:a16="http://schemas.microsoft.com/office/drawing/2014/main" id="{8DB636C0-FC01-AA7D-2CF7-57661C98F928}"/>
               </a:ext>
             </a:extLst>
           </p:cNvPr>
@@ -3370,8 +3916,8 @@
         </p:nvSpPr>
         <p:spPr>
           <a:xfrm>
-            <a:off x="401444" y="178420"/>
-            <a:ext cx="3478068" cy="369332"/>
+            <a:off x="1148576" y="657922"/>
+            <a:ext cx="1255472" cy="369332"/>
           </a:xfrm>
           <a:prstGeom prst="rect">
             <a:avLst/>
@@ -3386,7 +3932,7 @@
           <a:p>
             <a:r>
               <a:rPr lang="en-US" dirty="0"/>
-              <a:t>Full data, separated by treatment</a:t>
+              <a:t>Songs only</a:t>
             </a:r>
           </a:p>
         </p:txBody>
@@ -3394,7 +3940,862 @@
     </p:spTree>
     <p:extLst>
       <p:ext uri="{BB962C8B-B14F-4D97-AF65-F5344CB8AC3E}">
-        <p14:creationId xmlns:p14="http://schemas.microsoft.com/office/powerpoint/2010/main" val="33943157"/>
+        <p14:creationId xmlns:p14="http://schemas.microsoft.com/office/powerpoint/2010/main" val="1885312582"/>
+      </p:ext>
+    </p:extLst>
+  </p:cSld>
+  <p:clrMapOvr>
+    <a:masterClrMapping/>
+  </p:clrMapOvr>
+</p:sld>
+</file>
+
+<file path=ppt/slides/slide11.xml><?xml version="1.0" encoding="utf-8"?>
+<p:sld xmlns:a="http://schemas.openxmlformats.org/drawingml/2006/main" xmlns:r="http://schemas.openxmlformats.org/officeDocument/2006/relationships" xmlns:p="http://schemas.openxmlformats.org/presentationml/2006/main">
+  <p:cSld>
+    <p:spTree>
+      <p:nvGrpSpPr>
+        <p:cNvPr id="1" name=""/>
+        <p:cNvGrpSpPr/>
+        <p:nvPr/>
+      </p:nvGrpSpPr>
+      <p:grpSpPr>
+        <a:xfrm>
+          <a:off x="0" y="0"/>
+          <a:ext cx="0" cy="0"/>
+          <a:chOff x="0" y="0"/>
+          <a:chExt cx="0" cy="0"/>
+        </a:xfrm>
+      </p:grpSpPr>
+      <p:pic>
+        <p:nvPicPr>
+          <p:cNvPr id="3" name="Picture 2" descr="A graph with dots on it&#10;&#10;Description automatically generated with medium confidence">
+            <a:extLst>
+              <a:ext uri="{FF2B5EF4-FFF2-40B4-BE49-F238E27FC236}">
+                <a16:creationId xmlns:a16="http://schemas.microsoft.com/office/drawing/2014/main" id="{4C8D29F9-96EE-7851-75A3-10B3C9F650E5}"/>
+              </a:ext>
+            </a:extLst>
+          </p:cNvPr>
+          <p:cNvPicPr>
+            <a:picLocks noChangeAspect="1"/>
+          </p:cNvPicPr>
+          <p:nvPr/>
+        </p:nvPicPr>
+        <p:blipFill>
+          <a:blip r:embed="rId2"/>
+          <a:stretch>
+            <a:fillRect/>
+          </a:stretch>
+        </p:blipFill>
+        <p:spPr>
+          <a:xfrm>
+            <a:off x="1524000" y="1143000"/>
+            <a:ext cx="7772400" cy="3886200"/>
+          </a:xfrm>
+          <a:prstGeom prst="rect">
+            <a:avLst/>
+          </a:prstGeom>
+        </p:spPr>
+      </p:pic>
+      <p:sp>
+        <p:nvSpPr>
+          <p:cNvPr id="4" name="TextBox 3">
+            <a:extLst>
+              <a:ext uri="{FF2B5EF4-FFF2-40B4-BE49-F238E27FC236}">
+                <a16:creationId xmlns:a16="http://schemas.microsoft.com/office/drawing/2014/main" id="{526933EE-E0BA-BE8B-B2F2-2EA32B01B008}"/>
+              </a:ext>
+            </a:extLst>
+          </p:cNvPr>
+          <p:cNvSpPr txBox="1"/>
+          <p:nvPr/>
+        </p:nvSpPr>
+        <p:spPr>
+          <a:xfrm>
+            <a:off x="1304693" y="535259"/>
+            <a:ext cx="2313454" cy="369332"/>
+          </a:xfrm>
+          <a:prstGeom prst="rect">
+            <a:avLst/>
+          </a:prstGeom>
+          <a:noFill/>
+        </p:spPr>
+        <p:txBody>
+          <a:bodyPr wrap="none" rtlCol="0">
+            <a:spAutoFit/>
+          </a:bodyPr>
+          <a:lstStyle/>
+          <a:p>
+            <a:r>
+              <a:rPr lang="en-US" dirty="0"/>
+              <a:t>Other species alarms</a:t>
+            </a:r>
+          </a:p>
+        </p:txBody>
+      </p:sp>
+    </p:spTree>
+    <p:extLst>
+      <p:ext uri="{BB962C8B-B14F-4D97-AF65-F5344CB8AC3E}">
+        <p14:creationId xmlns:p14="http://schemas.microsoft.com/office/powerpoint/2010/main" val="948807074"/>
+      </p:ext>
+    </p:extLst>
+  </p:cSld>
+  <p:clrMapOvr>
+    <a:masterClrMapping/>
+  </p:clrMapOvr>
+</p:sld>
+</file>
+
+<file path=ppt/slides/slide12.xml><?xml version="1.0" encoding="utf-8"?>
+<p:sld xmlns:a="http://schemas.openxmlformats.org/drawingml/2006/main" xmlns:r="http://schemas.openxmlformats.org/officeDocument/2006/relationships" xmlns:p="http://schemas.openxmlformats.org/presentationml/2006/main">
+  <p:cSld>
+    <p:spTree>
+      <p:nvGrpSpPr>
+        <p:cNvPr id="1" name=""/>
+        <p:cNvGrpSpPr/>
+        <p:nvPr/>
+      </p:nvGrpSpPr>
+      <p:grpSpPr>
+        <a:xfrm>
+          <a:off x="0" y="0"/>
+          <a:ext cx="0" cy="0"/>
+          <a:chOff x="0" y="0"/>
+          <a:chExt cx="0" cy="0"/>
+        </a:xfrm>
+      </p:grpSpPr>
+      <p:pic>
+        <p:nvPicPr>
+          <p:cNvPr id="5" name="Picture 4" descr="A screenshot of a graph&#10;&#10;Description automatically generated">
+            <a:extLst>
+              <a:ext uri="{FF2B5EF4-FFF2-40B4-BE49-F238E27FC236}">
+                <a16:creationId xmlns:a16="http://schemas.microsoft.com/office/drawing/2014/main" id="{82F0DC75-9177-1CEA-F1E9-9A6CDDEF4168}"/>
+              </a:ext>
+            </a:extLst>
+          </p:cNvPr>
+          <p:cNvPicPr>
+            <a:picLocks noChangeAspect="1"/>
+          </p:cNvPicPr>
+          <p:nvPr/>
+        </p:nvPicPr>
+        <p:blipFill>
+          <a:blip r:embed="rId2"/>
+          <a:stretch>
+            <a:fillRect/>
+          </a:stretch>
+        </p:blipFill>
+        <p:spPr>
+          <a:xfrm>
+            <a:off x="1524000" y="1143000"/>
+            <a:ext cx="7772400" cy="3886200"/>
+          </a:xfrm>
+          <a:prstGeom prst="rect">
+            <a:avLst/>
+          </a:prstGeom>
+        </p:spPr>
+      </p:pic>
+      <p:sp>
+        <p:nvSpPr>
+          <p:cNvPr id="6" name="TextBox 5">
+            <a:extLst>
+              <a:ext uri="{FF2B5EF4-FFF2-40B4-BE49-F238E27FC236}">
+                <a16:creationId xmlns:a16="http://schemas.microsoft.com/office/drawing/2014/main" id="{2EF27C5E-80A9-1F31-D5B8-2B0BC36237EA}"/>
+              </a:ext>
+            </a:extLst>
+          </p:cNvPr>
+          <p:cNvSpPr txBox="1"/>
+          <p:nvPr/>
+        </p:nvSpPr>
+        <p:spPr>
+          <a:xfrm>
+            <a:off x="1029313" y="446049"/>
+            <a:ext cx="989373" cy="369332"/>
+          </a:xfrm>
+          <a:prstGeom prst="rect">
+            <a:avLst/>
+          </a:prstGeom>
+          <a:noFill/>
+        </p:spPr>
+        <p:txBody>
+          <a:bodyPr wrap="none" rtlCol="0">
+            <a:spAutoFit/>
+          </a:bodyPr>
+          <a:lstStyle/>
+          <a:p>
+            <a:r>
+              <a:rPr lang="en-US" dirty="0"/>
+              <a:t>0-30sec</a:t>
+            </a:r>
+          </a:p>
+        </p:txBody>
+      </p:sp>
+    </p:spTree>
+    <p:extLst>
+      <p:ext uri="{BB962C8B-B14F-4D97-AF65-F5344CB8AC3E}">
+        <p14:creationId xmlns:p14="http://schemas.microsoft.com/office/powerpoint/2010/main" val="3045631687"/>
+      </p:ext>
+    </p:extLst>
+  </p:cSld>
+  <p:clrMapOvr>
+    <a:masterClrMapping/>
+  </p:clrMapOvr>
+</p:sld>
+</file>
+
+<file path=ppt/slides/slide13.xml><?xml version="1.0" encoding="utf-8"?>
+<p:sld xmlns:a="http://schemas.openxmlformats.org/drawingml/2006/main" xmlns:r="http://schemas.openxmlformats.org/officeDocument/2006/relationships" xmlns:p="http://schemas.openxmlformats.org/presentationml/2006/main">
+  <p:cSld>
+    <p:spTree>
+      <p:nvGrpSpPr>
+        <p:cNvPr id="1" name=""/>
+        <p:cNvGrpSpPr/>
+        <p:nvPr/>
+      </p:nvGrpSpPr>
+      <p:grpSpPr>
+        <a:xfrm>
+          <a:off x="0" y="0"/>
+          <a:ext cx="0" cy="0"/>
+          <a:chOff x="0" y="0"/>
+          <a:chExt cx="0" cy="0"/>
+        </a:xfrm>
+      </p:grpSpPr>
+      <p:pic>
+        <p:nvPicPr>
+          <p:cNvPr id="3" name="Picture 2" descr="A screenshot of a computer generated image&#10;&#10;Description automatically generated">
+            <a:extLst>
+              <a:ext uri="{FF2B5EF4-FFF2-40B4-BE49-F238E27FC236}">
+                <a16:creationId xmlns:a16="http://schemas.microsoft.com/office/drawing/2014/main" id="{39625B9E-60B4-5560-DD87-13F26FB55F4A}"/>
+              </a:ext>
+            </a:extLst>
+          </p:cNvPr>
+          <p:cNvPicPr>
+            <a:picLocks noChangeAspect="1"/>
+          </p:cNvPicPr>
+          <p:nvPr/>
+        </p:nvPicPr>
+        <p:blipFill>
+          <a:blip r:embed="rId2"/>
+          <a:stretch>
+            <a:fillRect/>
+          </a:stretch>
+        </p:blipFill>
+        <p:spPr>
+          <a:xfrm>
+            <a:off x="1524000" y="1143000"/>
+            <a:ext cx="7772400" cy="3886200"/>
+          </a:xfrm>
+          <a:prstGeom prst="rect">
+            <a:avLst/>
+          </a:prstGeom>
+        </p:spPr>
+      </p:pic>
+      <p:sp>
+        <p:nvSpPr>
+          <p:cNvPr id="4" name="TextBox 3">
+            <a:extLst>
+              <a:ext uri="{FF2B5EF4-FFF2-40B4-BE49-F238E27FC236}">
+                <a16:creationId xmlns:a16="http://schemas.microsoft.com/office/drawing/2014/main" id="{B1F0C1EF-C099-8F52-B259-3303B25C22E9}"/>
+              </a:ext>
+            </a:extLst>
+          </p:cNvPr>
+          <p:cNvSpPr txBox="1"/>
+          <p:nvPr/>
+        </p:nvSpPr>
+        <p:spPr>
+          <a:xfrm>
+            <a:off x="1029313" y="446049"/>
+            <a:ext cx="1112805" cy="369332"/>
+          </a:xfrm>
+          <a:prstGeom prst="rect">
+            <a:avLst/>
+          </a:prstGeom>
+          <a:noFill/>
+        </p:spPr>
+        <p:txBody>
+          <a:bodyPr wrap="none" rtlCol="0">
+            <a:spAutoFit/>
+          </a:bodyPr>
+          <a:lstStyle/>
+          <a:p>
+            <a:r>
+              <a:rPr lang="en-US" dirty="0"/>
+              <a:t>30-60sec</a:t>
+            </a:r>
+          </a:p>
+        </p:txBody>
+      </p:sp>
+    </p:spTree>
+    <p:extLst>
+      <p:ext uri="{BB962C8B-B14F-4D97-AF65-F5344CB8AC3E}">
+        <p14:creationId xmlns:p14="http://schemas.microsoft.com/office/powerpoint/2010/main" val="2579179053"/>
+      </p:ext>
+    </p:extLst>
+  </p:cSld>
+  <p:clrMapOvr>
+    <a:masterClrMapping/>
+  </p:clrMapOvr>
+</p:sld>
+</file>
+
+<file path=ppt/slides/slide14.xml><?xml version="1.0" encoding="utf-8"?>
+<p:sld xmlns:a="http://schemas.openxmlformats.org/drawingml/2006/main" xmlns:r="http://schemas.openxmlformats.org/officeDocument/2006/relationships" xmlns:p="http://schemas.openxmlformats.org/presentationml/2006/main">
+  <p:cSld>
+    <p:spTree>
+      <p:nvGrpSpPr>
+        <p:cNvPr id="1" name=""/>
+        <p:cNvGrpSpPr/>
+        <p:nvPr/>
+      </p:nvGrpSpPr>
+      <p:grpSpPr>
+        <a:xfrm>
+          <a:off x="0" y="0"/>
+          <a:ext cx="0" cy="0"/>
+          <a:chOff x="0" y="0"/>
+          <a:chExt cx="0" cy="0"/>
+        </a:xfrm>
+      </p:grpSpPr>
+      <p:pic>
+        <p:nvPicPr>
+          <p:cNvPr id="3" name="Picture 2" descr="A screenshot of a computer generated image&#10;&#10;Description automatically generated">
+            <a:extLst>
+              <a:ext uri="{FF2B5EF4-FFF2-40B4-BE49-F238E27FC236}">
+                <a16:creationId xmlns:a16="http://schemas.microsoft.com/office/drawing/2014/main" id="{625FBE32-82CE-D2B7-62C1-DB7987788E3C}"/>
+              </a:ext>
+            </a:extLst>
+          </p:cNvPr>
+          <p:cNvPicPr>
+            <a:picLocks noChangeAspect="1"/>
+          </p:cNvPicPr>
+          <p:nvPr/>
+        </p:nvPicPr>
+        <p:blipFill>
+          <a:blip r:embed="rId2"/>
+          <a:stretch>
+            <a:fillRect/>
+          </a:stretch>
+        </p:blipFill>
+        <p:spPr>
+          <a:xfrm>
+            <a:off x="1524000" y="1143000"/>
+            <a:ext cx="7772400" cy="3886200"/>
+          </a:xfrm>
+          <a:prstGeom prst="rect">
+            <a:avLst/>
+          </a:prstGeom>
+        </p:spPr>
+      </p:pic>
+      <p:sp>
+        <p:nvSpPr>
+          <p:cNvPr id="4" name="TextBox 3">
+            <a:extLst>
+              <a:ext uri="{FF2B5EF4-FFF2-40B4-BE49-F238E27FC236}">
+                <a16:creationId xmlns:a16="http://schemas.microsoft.com/office/drawing/2014/main" id="{271803E4-466B-F2AF-3C19-24D6CA7B7B26}"/>
+              </a:ext>
+            </a:extLst>
+          </p:cNvPr>
+          <p:cNvSpPr txBox="1"/>
+          <p:nvPr/>
+        </p:nvSpPr>
+        <p:spPr>
+          <a:xfrm>
+            <a:off x="1029313" y="446049"/>
+            <a:ext cx="1112805" cy="369332"/>
+          </a:xfrm>
+          <a:prstGeom prst="rect">
+            <a:avLst/>
+          </a:prstGeom>
+          <a:noFill/>
+        </p:spPr>
+        <p:txBody>
+          <a:bodyPr wrap="none" rtlCol="0">
+            <a:spAutoFit/>
+          </a:bodyPr>
+          <a:lstStyle/>
+          <a:p>
+            <a:r>
+              <a:rPr lang="en-US" dirty="0"/>
+              <a:t>60-90sec</a:t>
+            </a:r>
+          </a:p>
+        </p:txBody>
+      </p:sp>
+    </p:spTree>
+    <p:extLst>
+      <p:ext uri="{BB962C8B-B14F-4D97-AF65-F5344CB8AC3E}">
+        <p14:creationId xmlns:p14="http://schemas.microsoft.com/office/powerpoint/2010/main" val="1821763483"/>
+      </p:ext>
+    </p:extLst>
+  </p:cSld>
+  <p:clrMapOvr>
+    <a:masterClrMapping/>
+  </p:clrMapOvr>
+</p:sld>
+</file>
+
+<file path=ppt/slides/slide15.xml><?xml version="1.0" encoding="utf-8"?>
+<p:sld xmlns:a="http://schemas.openxmlformats.org/drawingml/2006/main" xmlns:r="http://schemas.openxmlformats.org/officeDocument/2006/relationships" xmlns:p="http://schemas.openxmlformats.org/presentationml/2006/main">
+  <p:cSld>
+    <p:spTree>
+      <p:nvGrpSpPr>
+        <p:cNvPr id="1" name=""/>
+        <p:cNvGrpSpPr/>
+        <p:nvPr/>
+      </p:nvGrpSpPr>
+      <p:grpSpPr>
+        <a:xfrm>
+          <a:off x="0" y="0"/>
+          <a:ext cx="0" cy="0"/>
+          <a:chOff x="0" y="0"/>
+          <a:chExt cx="0" cy="0"/>
+        </a:xfrm>
+      </p:grpSpPr>
+      <p:pic>
+        <p:nvPicPr>
+          <p:cNvPr id="3" name="Picture 2" descr="A screenshot of a graph&#10;&#10;Description automatically generated">
+            <a:extLst>
+              <a:ext uri="{FF2B5EF4-FFF2-40B4-BE49-F238E27FC236}">
+                <a16:creationId xmlns:a16="http://schemas.microsoft.com/office/drawing/2014/main" id="{DC238197-BF2F-C2C1-7D17-CE355D912E80}"/>
+              </a:ext>
+            </a:extLst>
+          </p:cNvPr>
+          <p:cNvPicPr>
+            <a:picLocks noChangeAspect="1"/>
+          </p:cNvPicPr>
+          <p:nvPr/>
+        </p:nvPicPr>
+        <p:blipFill>
+          <a:blip r:embed="rId2"/>
+          <a:stretch>
+            <a:fillRect/>
+          </a:stretch>
+        </p:blipFill>
+        <p:spPr>
+          <a:xfrm>
+            <a:off x="1524000" y="1143000"/>
+            <a:ext cx="7772400" cy="3886200"/>
+          </a:xfrm>
+          <a:prstGeom prst="rect">
+            <a:avLst/>
+          </a:prstGeom>
+        </p:spPr>
+      </p:pic>
+      <p:sp>
+        <p:nvSpPr>
+          <p:cNvPr id="4" name="TextBox 3">
+            <a:extLst>
+              <a:ext uri="{FF2B5EF4-FFF2-40B4-BE49-F238E27FC236}">
+                <a16:creationId xmlns:a16="http://schemas.microsoft.com/office/drawing/2014/main" id="{9C5EF7C0-C10F-D064-8D21-437C12422E10}"/>
+              </a:ext>
+            </a:extLst>
+          </p:cNvPr>
+          <p:cNvSpPr txBox="1"/>
+          <p:nvPr/>
+        </p:nvSpPr>
+        <p:spPr>
+          <a:xfrm>
+            <a:off x="1029313" y="446049"/>
+            <a:ext cx="1218860" cy="369332"/>
+          </a:xfrm>
+          <a:prstGeom prst="rect">
+            <a:avLst/>
+          </a:prstGeom>
+          <a:noFill/>
+        </p:spPr>
+        <p:txBody>
+          <a:bodyPr wrap="none" rtlCol="0">
+            <a:spAutoFit/>
+          </a:bodyPr>
+          <a:lstStyle/>
+          <a:p>
+            <a:r>
+              <a:rPr lang="en-US" dirty="0"/>
+              <a:t>90-120sec</a:t>
+            </a:r>
+          </a:p>
+        </p:txBody>
+      </p:sp>
+    </p:spTree>
+    <p:extLst>
+      <p:ext uri="{BB962C8B-B14F-4D97-AF65-F5344CB8AC3E}">
+        <p14:creationId xmlns:p14="http://schemas.microsoft.com/office/powerpoint/2010/main" val="1659644188"/>
+      </p:ext>
+    </p:extLst>
+  </p:cSld>
+  <p:clrMapOvr>
+    <a:masterClrMapping/>
+  </p:clrMapOvr>
+</p:sld>
+</file>
+
+<file path=ppt/slides/slide16.xml><?xml version="1.0" encoding="utf-8"?>
+<p:sld xmlns:a="http://schemas.openxmlformats.org/drawingml/2006/main" xmlns:r="http://schemas.openxmlformats.org/officeDocument/2006/relationships" xmlns:p="http://schemas.openxmlformats.org/presentationml/2006/main">
+  <p:cSld>
+    <p:spTree>
+      <p:nvGrpSpPr>
+        <p:cNvPr id="1" name=""/>
+        <p:cNvGrpSpPr/>
+        <p:nvPr/>
+      </p:nvGrpSpPr>
+      <p:grpSpPr>
+        <a:xfrm>
+          <a:off x="0" y="0"/>
+          <a:ext cx="0" cy="0"/>
+          <a:chOff x="0" y="0"/>
+          <a:chExt cx="0" cy="0"/>
+        </a:xfrm>
+      </p:grpSpPr>
+      <p:pic>
+        <p:nvPicPr>
+          <p:cNvPr id="3" name="Picture 2" descr="A screenshot of a computer screen&#10;&#10;Description automatically generated">
+            <a:extLst>
+              <a:ext uri="{FF2B5EF4-FFF2-40B4-BE49-F238E27FC236}">
+                <a16:creationId xmlns:a16="http://schemas.microsoft.com/office/drawing/2014/main" id="{04DDF75D-1BF0-979D-819B-6251C3E7BA89}"/>
+              </a:ext>
+            </a:extLst>
+          </p:cNvPr>
+          <p:cNvPicPr>
+            <a:picLocks noChangeAspect="1"/>
+          </p:cNvPicPr>
+          <p:nvPr/>
+        </p:nvPicPr>
+        <p:blipFill>
+          <a:blip r:embed="rId2"/>
+          <a:stretch>
+            <a:fillRect/>
+          </a:stretch>
+        </p:blipFill>
+        <p:spPr>
+          <a:xfrm>
+            <a:off x="1524000" y="1143000"/>
+            <a:ext cx="7772400" cy="3886200"/>
+          </a:xfrm>
+          <a:prstGeom prst="rect">
+            <a:avLst/>
+          </a:prstGeom>
+        </p:spPr>
+      </p:pic>
+      <p:sp>
+        <p:nvSpPr>
+          <p:cNvPr id="4" name="TextBox 3">
+            <a:extLst>
+              <a:ext uri="{FF2B5EF4-FFF2-40B4-BE49-F238E27FC236}">
+                <a16:creationId xmlns:a16="http://schemas.microsoft.com/office/drawing/2014/main" id="{C8B9B607-52E3-D3A9-AF50-AAA17DE71553}"/>
+              </a:ext>
+            </a:extLst>
+          </p:cNvPr>
+          <p:cNvSpPr txBox="1"/>
+          <p:nvPr/>
+        </p:nvSpPr>
+        <p:spPr>
+          <a:xfrm>
+            <a:off x="1029313" y="446049"/>
+            <a:ext cx="1342291" cy="369332"/>
+          </a:xfrm>
+          <a:prstGeom prst="rect">
+            <a:avLst/>
+          </a:prstGeom>
+          <a:noFill/>
+        </p:spPr>
+        <p:txBody>
+          <a:bodyPr wrap="none" rtlCol="0">
+            <a:spAutoFit/>
+          </a:bodyPr>
+          <a:lstStyle/>
+          <a:p>
+            <a:r>
+              <a:rPr lang="en-US" dirty="0"/>
+              <a:t>120-150sec</a:t>
+            </a:r>
+          </a:p>
+        </p:txBody>
+      </p:sp>
+    </p:spTree>
+    <p:extLst>
+      <p:ext uri="{BB962C8B-B14F-4D97-AF65-F5344CB8AC3E}">
+        <p14:creationId xmlns:p14="http://schemas.microsoft.com/office/powerpoint/2010/main" val="703042141"/>
+      </p:ext>
+    </p:extLst>
+  </p:cSld>
+  <p:clrMapOvr>
+    <a:masterClrMapping/>
+  </p:clrMapOvr>
+</p:sld>
+</file>
+
+<file path=ppt/slides/slide17.xml><?xml version="1.0" encoding="utf-8"?>
+<p:sld xmlns:a="http://schemas.openxmlformats.org/drawingml/2006/main" xmlns:r="http://schemas.openxmlformats.org/officeDocument/2006/relationships" xmlns:p="http://schemas.openxmlformats.org/presentationml/2006/main">
+  <p:cSld>
+    <p:spTree>
+      <p:nvGrpSpPr>
+        <p:cNvPr id="1" name=""/>
+        <p:cNvGrpSpPr/>
+        <p:nvPr/>
+      </p:nvGrpSpPr>
+      <p:grpSpPr>
+        <a:xfrm>
+          <a:off x="0" y="0"/>
+          <a:ext cx="0" cy="0"/>
+          <a:chOff x="0" y="0"/>
+          <a:chExt cx="0" cy="0"/>
+        </a:xfrm>
+      </p:grpSpPr>
+      <p:pic>
+        <p:nvPicPr>
+          <p:cNvPr id="3" name="Picture 2" descr="A screenshot of a graph&#10;&#10;Description automatically generated">
+            <a:extLst>
+              <a:ext uri="{FF2B5EF4-FFF2-40B4-BE49-F238E27FC236}">
+                <a16:creationId xmlns:a16="http://schemas.microsoft.com/office/drawing/2014/main" id="{18EEABD4-2EFE-ADD1-4503-991B5D61ED25}"/>
+              </a:ext>
+            </a:extLst>
+          </p:cNvPr>
+          <p:cNvPicPr>
+            <a:picLocks noChangeAspect="1"/>
+          </p:cNvPicPr>
+          <p:nvPr/>
+        </p:nvPicPr>
+        <p:blipFill>
+          <a:blip r:embed="rId2"/>
+          <a:stretch>
+            <a:fillRect/>
+          </a:stretch>
+        </p:blipFill>
+        <p:spPr>
+          <a:xfrm>
+            <a:off x="1524000" y="1143000"/>
+            <a:ext cx="7772400" cy="3886200"/>
+          </a:xfrm>
+          <a:prstGeom prst="rect">
+            <a:avLst/>
+          </a:prstGeom>
+        </p:spPr>
+      </p:pic>
+      <p:sp>
+        <p:nvSpPr>
+          <p:cNvPr id="4" name="TextBox 3">
+            <a:extLst>
+              <a:ext uri="{FF2B5EF4-FFF2-40B4-BE49-F238E27FC236}">
+                <a16:creationId xmlns:a16="http://schemas.microsoft.com/office/drawing/2014/main" id="{6A11C386-E21D-B7D7-4BC4-45D35F055925}"/>
+              </a:ext>
+            </a:extLst>
+          </p:cNvPr>
+          <p:cNvSpPr txBox="1"/>
+          <p:nvPr/>
+        </p:nvSpPr>
+        <p:spPr>
+          <a:xfrm>
+            <a:off x="1029313" y="446049"/>
+            <a:ext cx="1342291" cy="369332"/>
+          </a:xfrm>
+          <a:prstGeom prst="rect">
+            <a:avLst/>
+          </a:prstGeom>
+          <a:noFill/>
+        </p:spPr>
+        <p:txBody>
+          <a:bodyPr wrap="none" rtlCol="0">
+            <a:spAutoFit/>
+          </a:bodyPr>
+          <a:lstStyle/>
+          <a:p>
+            <a:r>
+              <a:rPr lang="en-US" dirty="0"/>
+              <a:t>150-180sec</a:t>
+            </a:r>
+          </a:p>
+        </p:txBody>
+      </p:sp>
+    </p:spTree>
+    <p:extLst>
+      <p:ext uri="{BB962C8B-B14F-4D97-AF65-F5344CB8AC3E}">
+        <p14:creationId xmlns:p14="http://schemas.microsoft.com/office/powerpoint/2010/main" val="1657238082"/>
+      </p:ext>
+    </p:extLst>
+  </p:cSld>
+  <p:clrMapOvr>
+    <a:masterClrMapping/>
+  </p:clrMapOvr>
+</p:sld>
+</file>
+
+<file path=ppt/slides/slide18.xml><?xml version="1.0" encoding="utf-8"?>
+<p:sld xmlns:a="http://schemas.openxmlformats.org/drawingml/2006/main" xmlns:r="http://schemas.openxmlformats.org/officeDocument/2006/relationships" xmlns:p="http://schemas.openxmlformats.org/presentationml/2006/main">
+  <p:cSld>
+    <p:spTree>
+      <p:nvGrpSpPr>
+        <p:cNvPr id="1" name=""/>
+        <p:cNvGrpSpPr/>
+        <p:nvPr/>
+      </p:nvGrpSpPr>
+      <p:grpSpPr>
+        <a:xfrm>
+          <a:off x="0" y="0"/>
+          <a:ext cx="0" cy="0"/>
+          <a:chOff x="0" y="0"/>
+          <a:chExt cx="0" cy="0"/>
+        </a:xfrm>
+      </p:grpSpPr>
+      <p:pic>
+        <p:nvPicPr>
+          <p:cNvPr id="3" name="Picture 2" descr="A screenshot of a graph&#10;&#10;Description automatically generated">
+            <a:extLst>
+              <a:ext uri="{FF2B5EF4-FFF2-40B4-BE49-F238E27FC236}">
+                <a16:creationId xmlns:a16="http://schemas.microsoft.com/office/drawing/2014/main" id="{BA1D49A7-4769-9AA4-1905-061639D2F3D2}"/>
+              </a:ext>
+            </a:extLst>
+          </p:cNvPr>
+          <p:cNvPicPr>
+            <a:picLocks noChangeAspect="1"/>
+          </p:cNvPicPr>
+          <p:nvPr/>
+        </p:nvPicPr>
+        <p:blipFill>
+          <a:blip r:embed="rId2"/>
+          <a:stretch>
+            <a:fillRect/>
+          </a:stretch>
+        </p:blipFill>
+        <p:spPr>
+          <a:xfrm>
+            <a:off x="1524000" y="1143000"/>
+            <a:ext cx="7772400" cy="3886200"/>
+          </a:xfrm>
+          <a:prstGeom prst="rect">
+            <a:avLst/>
+          </a:prstGeom>
+        </p:spPr>
+      </p:pic>
+      <p:sp>
+        <p:nvSpPr>
+          <p:cNvPr id="4" name="TextBox 3">
+            <a:extLst>
+              <a:ext uri="{FF2B5EF4-FFF2-40B4-BE49-F238E27FC236}">
+                <a16:creationId xmlns:a16="http://schemas.microsoft.com/office/drawing/2014/main" id="{2D65E7BA-E920-FA6A-1132-B2567B63ABD1}"/>
+              </a:ext>
+            </a:extLst>
+          </p:cNvPr>
+          <p:cNvSpPr txBox="1"/>
+          <p:nvPr/>
+        </p:nvSpPr>
+        <p:spPr>
+          <a:xfrm>
+            <a:off x="1029313" y="446049"/>
+            <a:ext cx="1359668" cy="369332"/>
+          </a:xfrm>
+          <a:prstGeom prst="rect">
+            <a:avLst/>
+          </a:prstGeom>
+          <a:noFill/>
+        </p:spPr>
+        <p:txBody>
+          <a:bodyPr wrap="none" rtlCol="0">
+            <a:spAutoFit/>
+          </a:bodyPr>
+          <a:lstStyle/>
+          <a:p>
+            <a:r>
+              <a:rPr lang="en-US" dirty="0"/>
+              <a:t>180-210sec</a:t>
+            </a:r>
+          </a:p>
+        </p:txBody>
+      </p:sp>
+    </p:spTree>
+    <p:extLst>
+      <p:ext uri="{BB962C8B-B14F-4D97-AF65-F5344CB8AC3E}">
+        <p14:creationId xmlns:p14="http://schemas.microsoft.com/office/powerpoint/2010/main" val="726903024"/>
+      </p:ext>
+    </p:extLst>
+  </p:cSld>
+  <p:clrMapOvr>
+    <a:masterClrMapping/>
+  </p:clrMapOvr>
+</p:sld>
+</file>
+
+<file path=ppt/slides/slide19.xml><?xml version="1.0" encoding="utf-8"?>
+<p:sld xmlns:a="http://schemas.openxmlformats.org/drawingml/2006/main" xmlns:r="http://schemas.openxmlformats.org/officeDocument/2006/relationships" xmlns:p="http://schemas.openxmlformats.org/presentationml/2006/main">
+  <p:cSld>
+    <p:spTree>
+      <p:nvGrpSpPr>
+        <p:cNvPr id="1" name=""/>
+        <p:cNvGrpSpPr/>
+        <p:nvPr/>
+      </p:nvGrpSpPr>
+      <p:grpSpPr>
+        <a:xfrm>
+          <a:off x="0" y="0"/>
+          <a:ext cx="0" cy="0"/>
+          <a:chOff x="0" y="0"/>
+          <a:chExt cx="0" cy="0"/>
+        </a:xfrm>
+      </p:grpSpPr>
+      <p:pic>
+        <p:nvPicPr>
+          <p:cNvPr id="3" name="Picture 2" descr="A screenshot of a graph&#10;&#10;Description automatically generated">
+            <a:extLst>
+              <a:ext uri="{FF2B5EF4-FFF2-40B4-BE49-F238E27FC236}">
+                <a16:creationId xmlns:a16="http://schemas.microsoft.com/office/drawing/2014/main" id="{1F1A30FB-8240-44B3-78B8-FC00E82781E2}"/>
+              </a:ext>
+            </a:extLst>
+          </p:cNvPr>
+          <p:cNvPicPr>
+            <a:picLocks noChangeAspect="1"/>
+          </p:cNvPicPr>
+          <p:nvPr/>
+        </p:nvPicPr>
+        <p:blipFill>
+          <a:blip r:embed="rId2"/>
+          <a:stretch>
+            <a:fillRect/>
+          </a:stretch>
+        </p:blipFill>
+        <p:spPr>
+          <a:xfrm>
+            <a:off x="1524000" y="1143000"/>
+            <a:ext cx="7772400" cy="3886200"/>
+          </a:xfrm>
+          <a:prstGeom prst="rect">
+            <a:avLst/>
+          </a:prstGeom>
+        </p:spPr>
+      </p:pic>
+      <p:sp>
+        <p:nvSpPr>
+          <p:cNvPr id="4" name="TextBox 3">
+            <a:extLst>
+              <a:ext uri="{FF2B5EF4-FFF2-40B4-BE49-F238E27FC236}">
+                <a16:creationId xmlns:a16="http://schemas.microsoft.com/office/drawing/2014/main" id="{0C8C5A51-99DE-D0D8-9651-451D59742661}"/>
+              </a:ext>
+            </a:extLst>
+          </p:cNvPr>
+          <p:cNvSpPr txBox="1"/>
+          <p:nvPr/>
+        </p:nvSpPr>
+        <p:spPr>
+          <a:xfrm>
+            <a:off x="1029313" y="446049"/>
+            <a:ext cx="1359668" cy="369332"/>
+          </a:xfrm>
+          <a:prstGeom prst="rect">
+            <a:avLst/>
+          </a:prstGeom>
+          <a:noFill/>
+        </p:spPr>
+        <p:txBody>
+          <a:bodyPr wrap="none" rtlCol="0">
+            <a:spAutoFit/>
+          </a:bodyPr>
+          <a:lstStyle/>
+          <a:p>
+            <a:r>
+              <a:rPr lang="en-US" dirty="0"/>
+              <a:t>210-240sec</a:t>
+            </a:r>
+          </a:p>
+        </p:txBody>
+      </p:sp>
+    </p:spTree>
+    <p:extLst>
+      <p:ext uri="{BB962C8B-B14F-4D97-AF65-F5344CB8AC3E}">
+        <p14:creationId xmlns:p14="http://schemas.microsoft.com/office/powerpoint/2010/main" val="2370474187"/>
       </p:ext>
     </p:extLst>
   </p:cSld>
@@ -3490,6 +4891,197 @@
     <p:extLst>
       <p:ext uri="{BB962C8B-B14F-4D97-AF65-F5344CB8AC3E}">
         <p14:creationId xmlns:p14="http://schemas.microsoft.com/office/powerpoint/2010/main" val="440763179"/>
+      </p:ext>
+    </p:extLst>
+  </p:cSld>
+  <p:clrMapOvr>
+    <a:masterClrMapping/>
+  </p:clrMapOvr>
+</p:sld>
+</file>
+
+<file path=ppt/slides/slide20.xml><?xml version="1.0" encoding="utf-8"?>
+<p:sld xmlns:a="http://schemas.openxmlformats.org/drawingml/2006/main" xmlns:r="http://schemas.openxmlformats.org/officeDocument/2006/relationships" xmlns:p="http://schemas.openxmlformats.org/presentationml/2006/main">
+  <p:cSld>
+    <p:spTree>
+      <p:nvGrpSpPr>
+        <p:cNvPr id="1" name=""/>
+        <p:cNvGrpSpPr/>
+        <p:nvPr/>
+      </p:nvGrpSpPr>
+      <p:grpSpPr>
+        <a:xfrm>
+          <a:off x="0" y="0"/>
+          <a:ext cx="0" cy="0"/>
+          <a:chOff x="0" y="0"/>
+          <a:chExt cx="0" cy="0"/>
+        </a:xfrm>
+      </p:grpSpPr>
+      <p:pic>
+        <p:nvPicPr>
+          <p:cNvPr id="3" name="Picture 2" descr="A screenshot of a graph&#10;&#10;Description automatically generated">
+            <a:extLst>
+              <a:ext uri="{FF2B5EF4-FFF2-40B4-BE49-F238E27FC236}">
+                <a16:creationId xmlns:a16="http://schemas.microsoft.com/office/drawing/2014/main" id="{35D1D83E-94D7-FE47-9A30-65FBD54CEA26}"/>
+              </a:ext>
+            </a:extLst>
+          </p:cNvPr>
+          <p:cNvPicPr>
+            <a:picLocks noChangeAspect="1"/>
+          </p:cNvPicPr>
+          <p:nvPr/>
+        </p:nvPicPr>
+        <p:blipFill>
+          <a:blip r:embed="rId2"/>
+          <a:stretch>
+            <a:fillRect/>
+          </a:stretch>
+        </p:blipFill>
+        <p:spPr>
+          <a:xfrm>
+            <a:off x="1524000" y="1143000"/>
+            <a:ext cx="7772400" cy="3886200"/>
+          </a:xfrm>
+          <a:prstGeom prst="rect">
+            <a:avLst/>
+          </a:prstGeom>
+        </p:spPr>
+      </p:pic>
+      <p:sp>
+        <p:nvSpPr>
+          <p:cNvPr id="4" name="TextBox 3">
+            <a:extLst>
+              <a:ext uri="{FF2B5EF4-FFF2-40B4-BE49-F238E27FC236}">
+                <a16:creationId xmlns:a16="http://schemas.microsoft.com/office/drawing/2014/main" id="{596B18A7-84DB-3E24-8BEF-C9088A9F688B}"/>
+              </a:ext>
+            </a:extLst>
+          </p:cNvPr>
+          <p:cNvSpPr txBox="1"/>
+          <p:nvPr/>
+        </p:nvSpPr>
+        <p:spPr>
+          <a:xfrm>
+            <a:off x="1029313" y="446049"/>
+            <a:ext cx="1359668" cy="369332"/>
+          </a:xfrm>
+          <a:prstGeom prst="rect">
+            <a:avLst/>
+          </a:prstGeom>
+          <a:noFill/>
+        </p:spPr>
+        <p:txBody>
+          <a:bodyPr wrap="none" rtlCol="0">
+            <a:spAutoFit/>
+          </a:bodyPr>
+          <a:lstStyle/>
+          <a:p>
+            <a:r>
+              <a:rPr lang="en-US" dirty="0"/>
+              <a:t>240-270sec</a:t>
+            </a:r>
+          </a:p>
+        </p:txBody>
+      </p:sp>
+    </p:spTree>
+    <p:extLst>
+      <p:ext uri="{BB962C8B-B14F-4D97-AF65-F5344CB8AC3E}">
+        <p14:creationId xmlns:p14="http://schemas.microsoft.com/office/powerpoint/2010/main" val="2085173143"/>
+      </p:ext>
+    </p:extLst>
+  </p:cSld>
+  <p:clrMapOvr>
+    <a:masterClrMapping/>
+  </p:clrMapOvr>
+</p:sld>
+</file>
+
+<file path=ppt/slides/slide21.xml><?xml version="1.0" encoding="utf-8"?>
+<p:sld xmlns:a="http://schemas.openxmlformats.org/drawingml/2006/main" xmlns:r="http://schemas.openxmlformats.org/officeDocument/2006/relationships" xmlns:p="http://schemas.openxmlformats.org/presentationml/2006/main">
+  <p:cSld>
+    <p:spTree>
+      <p:nvGrpSpPr>
+        <p:cNvPr id="1" name=""/>
+        <p:cNvGrpSpPr/>
+        <p:nvPr/>
+      </p:nvGrpSpPr>
+      <p:grpSpPr>
+        <a:xfrm>
+          <a:off x="0" y="0"/>
+          <a:ext cx="0" cy="0"/>
+          <a:chOff x="0" y="0"/>
+          <a:chExt cx="0" cy="0"/>
+        </a:xfrm>
+      </p:grpSpPr>
+      <p:pic>
+        <p:nvPicPr>
+          <p:cNvPr id="3" name="Picture 2" descr="A screenshot of a graph&#10;&#10;Description automatically generated">
+            <a:extLst>
+              <a:ext uri="{FF2B5EF4-FFF2-40B4-BE49-F238E27FC236}">
+                <a16:creationId xmlns:a16="http://schemas.microsoft.com/office/drawing/2014/main" id="{F1E402D6-27C0-26CF-25B3-B0B8E6253233}"/>
+              </a:ext>
+            </a:extLst>
+          </p:cNvPr>
+          <p:cNvPicPr>
+            <a:picLocks noChangeAspect="1"/>
+          </p:cNvPicPr>
+          <p:nvPr/>
+        </p:nvPicPr>
+        <p:blipFill>
+          <a:blip r:embed="rId2"/>
+          <a:stretch>
+            <a:fillRect/>
+          </a:stretch>
+        </p:blipFill>
+        <p:spPr>
+          <a:xfrm>
+            <a:off x="1524000" y="1143000"/>
+            <a:ext cx="7772400" cy="3886200"/>
+          </a:xfrm>
+          <a:prstGeom prst="rect">
+            <a:avLst/>
+          </a:prstGeom>
+        </p:spPr>
+      </p:pic>
+      <p:sp>
+        <p:nvSpPr>
+          <p:cNvPr id="4" name="TextBox 3">
+            <a:extLst>
+              <a:ext uri="{FF2B5EF4-FFF2-40B4-BE49-F238E27FC236}">
+                <a16:creationId xmlns:a16="http://schemas.microsoft.com/office/drawing/2014/main" id="{855F9ECE-DE42-CA95-ACA8-CC6477C234AA}"/>
+              </a:ext>
+            </a:extLst>
+          </p:cNvPr>
+          <p:cNvSpPr txBox="1"/>
+          <p:nvPr/>
+        </p:nvSpPr>
+        <p:spPr>
+          <a:xfrm>
+            <a:off x="1029313" y="446049"/>
+            <a:ext cx="1359668" cy="369332"/>
+          </a:xfrm>
+          <a:prstGeom prst="rect">
+            <a:avLst/>
+          </a:prstGeom>
+          <a:noFill/>
+        </p:spPr>
+        <p:txBody>
+          <a:bodyPr wrap="none" rtlCol="0">
+            <a:spAutoFit/>
+          </a:bodyPr>
+          <a:lstStyle/>
+          <a:p>
+            <a:r>
+              <a:rPr lang="en-US"/>
+              <a:t>270-300sec</a:t>
+            </a:r>
+            <a:endParaRPr lang="en-US" dirty="0"/>
+          </a:p>
+        </p:txBody>
+      </p:sp>
+    </p:spTree>
+    <p:extLst>
+      <p:ext uri="{BB962C8B-B14F-4D97-AF65-F5344CB8AC3E}">
+        <p14:creationId xmlns:p14="http://schemas.microsoft.com/office/powerpoint/2010/main" val="182715741"/>
       </p:ext>
     </p:extLst>
   </p:cSld>
@@ -3960,6 +5552,291 @@
     <p:extLst>
       <p:ext uri="{BB962C8B-B14F-4D97-AF65-F5344CB8AC3E}">
         <p14:creationId xmlns:p14="http://schemas.microsoft.com/office/powerpoint/2010/main" val="814583676"/>
+      </p:ext>
+    </p:extLst>
+  </p:cSld>
+  <p:clrMapOvr>
+    <a:masterClrMapping/>
+  </p:clrMapOvr>
+</p:sld>
+</file>
+
+<file path=ppt/slides/slide7.xml><?xml version="1.0" encoding="utf-8"?>
+<p:sld xmlns:a="http://schemas.openxmlformats.org/drawingml/2006/main" xmlns:r="http://schemas.openxmlformats.org/officeDocument/2006/relationships" xmlns:p="http://schemas.openxmlformats.org/presentationml/2006/main">
+  <p:cSld>
+    <p:spTree>
+      <p:nvGrpSpPr>
+        <p:cNvPr id="1" name=""/>
+        <p:cNvGrpSpPr/>
+        <p:nvPr/>
+      </p:nvGrpSpPr>
+      <p:grpSpPr>
+        <a:xfrm>
+          <a:off x="0" y="0"/>
+          <a:ext cx="0" cy="0"/>
+          <a:chOff x="0" y="0"/>
+          <a:chExt cx="0" cy="0"/>
+        </a:xfrm>
+      </p:grpSpPr>
+      <p:sp>
+        <p:nvSpPr>
+          <p:cNvPr id="4" name="TextBox 3">
+            <a:extLst>
+              <a:ext uri="{FF2B5EF4-FFF2-40B4-BE49-F238E27FC236}">
+                <a16:creationId xmlns:a16="http://schemas.microsoft.com/office/drawing/2014/main" id="{F32621E8-409C-46BC-2DB7-F02E3AE75E18}"/>
+              </a:ext>
+            </a:extLst>
+          </p:cNvPr>
+          <p:cNvSpPr txBox="1"/>
+          <p:nvPr/>
+        </p:nvSpPr>
+        <p:spPr>
+          <a:xfrm>
+            <a:off x="847493" y="390293"/>
+            <a:ext cx="4801251" cy="369332"/>
+          </a:xfrm>
+          <a:prstGeom prst="rect">
+            <a:avLst/>
+          </a:prstGeom>
+          <a:noFill/>
+        </p:spPr>
+        <p:txBody>
+          <a:bodyPr wrap="none" rtlCol="0">
+            <a:spAutoFit/>
+          </a:bodyPr>
+          <a:lstStyle/>
+          <a:p>
+            <a:r>
+              <a:rPr lang="en-US" dirty="0"/>
+              <a:t>Same figures, but with alternative color palette</a:t>
+            </a:r>
+          </a:p>
+        </p:txBody>
+      </p:sp>
+      <p:pic>
+        <p:nvPicPr>
+          <p:cNvPr id="7" name="Picture 6" descr="A screen shot of a graph&#10;&#10;Description automatically generated">
+            <a:extLst>
+              <a:ext uri="{FF2B5EF4-FFF2-40B4-BE49-F238E27FC236}">
+                <a16:creationId xmlns:a16="http://schemas.microsoft.com/office/drawing/2014/main" id="{10CB7732-85FC-88FA-FE47-1DAE2622E98D}"/>
+              </a:ext>
+            </a:extLst>
+          </p:cNvPr>
+          <p:cNvPicPr>
+            <a:picLocks noChangeAspect="1"/>
+          </p:cNvPicPr>
+          <p:nvPr/>
+        </p:nvPicPr>
+        <p:blipFill>
+          <a:blip r:embed="rId2"/>
+          <a:stretch>
+            <a:fillRect/>
+          </a:stretch>
+        </p:blipFill>
+        <p:spPr>
+          <a:xfrm>
+            <a:off x="273827" y="1193867"/>
+            <a:ext cx="11644346" cy="5162327"/>
+          </a:xfrm>
+          <a:prstGeom prst="rect">
+            <a:avLst/>
+          </a:prstGeom>
+        </p:spPr>
+      </p:pic>
+    </p:spTree>
+    <p:extLst>
+      <p:ext uri="{BB962C8B-B14F-4D97-AF65-F5344CB8AC3E}">
+        <p14:creationId xmlns:p14="http://schemas.microsoft.com/office/powerpoint/2010/main" val="4271216887"/>
+      </p:ext>
+    </p:extLst>
+  </p:cSld>
+  <p:clrMapOvr>
+    <a:masterClrMapping/>
+  </p:clrMapOvr>
+</p:sld>
+</file>
+
+<file path=ppt/slides/slide8.xml><?xml version="1.0" encoding="utf-8"?>
+<p:sld xmlns:a="http://schemas.openxmlformats.org/drawingml/2006/main" xmlns:r="http://schemas.openxmlformats.org/officeDocument/2006/relationships" xmlns:p="http://schemas.openxmlformats.org/presentationml/2006/main">
+  <p:cSld>
+    <p:spTree>
+      <p:nvGrpSpPr>
+        <p:cNvPr id="1" name=""/>
+        <p:cNvGrpSpPr/>
+        <p:nvPr/>
+      </p:nvGrpSpPr>
+      <p:grpSpPr>
+        <a:xfrm>
+          <a:off x="0" y="0"/>
+          <a:ext cx="0" cy="0"/>
+          <a:chOff x="0" y="0"/>
+          <a:chExt cx="0" cy="0"/>
+        </a:xfrm>
+      </p:grpSpPr>
+      <p:pic>
+        <p:nvPicPr>
+          <p:cNvPr id="5" name="Picture 4" descr="A screen shot of a graph&#10;&#10;Description automatically generated">
+            <a:extLst>
+              <a:ext uri="{FF2B5EF4-FFF2-40B4-BE49-F238E27FC236}">
+                <a16:creationId xmlns:a16="http://schemas.microsoft.com/office/drawing/2014/main" id="{5F26DCD0-A0DC-FE19-445D-E86643939AB0}"/>
+              </a:ext>
+            </a:extLst>
+          </p:cNvPr>
+          <p:cNvPicPr>
+            <a:picLocks noChangeAspect="1"/>
+          </p:cNvPicPr>
+          <p:nvPr/>
+        </p:nvPicPr>
+        <p:blipFill>
+          <a:blip r:embed="rId2"/>
+          <a:stretch>
+            <a:fillRect/>
+          </a:stretch>
+        </p:blipFill>
+        <p:spPr>
+          <a:xfrm>
+            <a:off x="1524000" y="1143000"/>
+            <a:ext cx="7772400" cy="3886200"/>
+          </a:xfrm>
+          <a:prstGeom prst="rect">
+            <a:avLst/>
+          </a:prstGeom>
+        </p:spPr>
+      </p:pic>
+      <p:sp>
+        <p:nvSpPr>
+          <p:cNvPr id="6" name="TextBox 5">
+            <a:extLst>
+              <a:ext uri="{FF2B5EF4-FFF2-40B4-BE49-F238E27FC236}">
+                <a16:creationId xmlns:a16="http://schemas.microsoft.com/office/drawing/2014/main" id="{E5631BA2-F013-7394-E886-AC37514474CC}"/>
+              </a:ext>
+            </a:extLst>
+          </p:cNvPr>
+          <p:cNvSpPr txBox="1"/>
+          <p:nvPr/>
+        </p:nvSpPr>
+        <p:spPr>
+          <a:xfrm>
+            <a:off x="1025912" y="646771"/>
+            <a:ext cx="3051220" cy="369332"/>
+          </a:xfrm>
+          <a:prstGeom prst="rect">
+            <a:avLst/>
+          </a:prstGeom>
+          <a:noFill/>
+        </p:spPr>
+        <p:txBody>
+          <a:bodyPr wrap="none" rtlCol="0">
+            <a:spAutoFit/>
+          </a:bodyPr>
+          <a:lstStyle/>
+          <a:p>
+            <a:r>
+              <a:rPr lang="en-US" dirty="0"/>
+              <a:t>Cheer only (alternative color)</a:t>
+            </a:r>
+          </a:p>
+        </p:txBody>
+      </p:sp>
+    </p:spTree>
+    <p:extLst>
+      <p:ext uri="{BB962C8B-B14F-4D97-AF65-F5344CB8AC3E}">
+        <p14:creationId xmlns:p14="http://schemas.microsoft.com/office/powerpoint/2010/main" val="3733310271"/>
+      </p:ext>
+    </p:extLst>
+  </p:cSld>
+  <p:clrMapOvr>
+    <a:masterClrMapping/>
+  </p:clrMapOvr>
+</p:sld>
+</file>
+
+<file path=ppt/slides/slide9.xml><?xml version="1.0" encoding="utf-8"?>
+<p:sld xmlns:a="http://schemas.openxmlformats.org/drawingml/2006/main" xmlns:r="http://schemas.openxmlformats.org/officeDocument/2006/relationships" xmlns:p="http://schemas.openxmlformats.org/presentationml/2006/main">
+  <p:cSld>
+    <p:spTree>
+      <p:nvGrpSpPr>
+        <p:cNvPr id="1" name=""/>
+        <p:cNvGrpSpPr/>
+        <p:nvPr/>
+      </p:nvGrpSpPr>
+      <p:grpSpPr>
+        <a:xfrm>
+          <a:off x="0" y="0"/>
+          <a:ext cx="0" cy="0"/>
+          <a:chOff x="0" y="0"/>
+          <a:chExt cx="0" cy="0"/>
+        </a:xfrm>
+      </p:grpSpPr>
+      <p:pic>
+        <p:nvPicPr>
+          <p:cNvPr id="5" name="Picture 4" descr="A screen shot of a graph&#10;&#10;Description automatically generated">
+            <a:extLst>
+              <a:ext uri="{FF2B5EF4-FFF2-40B4-BE49-F238E27FC236}">
+                <a16:creationId xmlns:a16="http://schemas.microsoft.com/office/drawing/2014/main" id="{3BAC224A-82F2-BDBD-A9E3-1B98C4A1CDF4}"/>
+              </a:ext>
+            </a:extLst>
+          </p:cNvPr>
+          <p:cNvPicPr>
+            <a:picLocks noChangeAspect="1"/>
+          </p:cNvPicPr>
+          <p:nvPr/>
+        </p:nvPicPr>
+        <p:blipFill>
+          <a:blip r:embed="rId2"/>
+          <a:stretch>
+            <a:fillRect/>
+          </a:stretch>
+        </p:blipFill>
+        <p:spPr>
+          <a:xfrm>
+            <a:off x="1524000" y="1143000"/>
+            <a:ext cx="7772400" cy="3886200"/>
+          </a:xfrm>
+          <a:prstGeom prst="rect">
+            <a:avLst/>
+          </a:prstGeom>
+        </p:spPr>
+      </p:pic>
+      <p:sp>
+        <p:nvSpPr>
+          <p:cNvPr id="6" name="TextBox 5">
+            <a:extLst>
+              <a:ext uri="{FF2B5EF4-FFF2-40B4-BE49-F238E27FC236}">
+                <a16:creationId xmlns:a16="http://schemas.microsoft.com/office/drawing/2014/main" id="{484047D9-D2CA-AC17-87E1-D37463C8B532}"/>
+              </a:ext>
+            </a:extLst>
+          </p:cNvPr>
+          <p:cNvSpPr txBox="1"/>
+          <p:nvPr/>
+        </p:nvSpPr>
+        <p:spPr>
+          <a:xfrm>
+            <a:off x="970156" y="546410"/>
+            <a:ext cx="2324739" cy="369332"/>
+          </a:xfrm>
+          <a:prstGeom prst="rect">
+            <a:avLst/>
+          </a:prstGeom>
+          <a:noFill/>
+        </p:spPr>
+        <p:txBody>
+          <a:bodyPr wrap="none" rtlCol="0">
+            <a:spAutoFit/>
+          </a:bodyPr>
+          <a:lstStyle/>
+          <a:p>
+            <a:r>
+              <a:rPr lang="en-US" dirty="0"/>
+              <a:t>Other redwing alarms</a:t>
+            </a:r>
+          </a:p>
+        </p:txBody>
+      </p:sp>
+    </p:spTree>
+    <p:extLst>
+      <p:ext uri="{BB962C8B-B14F-4D97-AF65-F5344CB8AC3E}">
+        <p14:creationId xmlns:p14="http://schemas.microsoft.com/office/powerpoint/2010/main" val="3682177769"/>
       </p:ext>
     </p:extLst>
   </p:cSld>
@@ -4282,4 +6159,319 @@
     </a:ext>
   </a:extLst>
 </a:theme>
+</file>
+
+<file path=ppt/theme/theme2.xml><?xml version="1.0" encoding="utf-8"?>
+<a:theme xmlns:a="http://schemas.openxmlformats.org/drawingml/2006/main" name="Office Theme">
+  <a:themeElements>
+    <a:clrScheme name="Office">
+      <a:dk1>
+        <a:sysClr val="windowText" lastClr="000000"/>
+      </a:dk1>
+      <a:lt1>
+        <a:sysClr val="window" lastClr="FFFFFF"/>
+      </a:lt1>
+      <a:dk2>
+        <a:srgbClr val="0E2841"/>
+      </a:dk2>
+      <a:lt2>
+        <a:srgbClr val="E8E8E8"/>
+      </a:lt2>
+      <a:accent1>
+        <a:srgbClr val="156082"/>
+      </a:accent1>
+      <a:accent2>
+        <a:srgbClr val="E97132"/>
+      </a:accent2>
+      <a:accent3>
+        <a:srgbClr val="196B24"/>
+      </a:accent3>
+      <a:accent4>
+        <a:srgbClr val="0F9ED5"/>
+      </a:accent4>
+      <a:accent5>
+        <a:srgbClr val="A02B93"/>
+      </a:accent5>
+      <a:accent6>
+        <a:srgbClr val="4EA72E"/>
+      </a:accent6>
+      <a:hlink>
+        <a:srgbClr val="467886"/>
+      </a:hlink>
+      <a:folHlink>
+        <a:srgbClr val="96607D"/>
+      </a:folHlink>
+    </a:clrScheme>
+    <a:fontScheme name="Office">
+      <a:majorFont>
+        <a:latin typeface="Aptos Display" panose="02110004020202020204"/>
+        <a:ea typeface=""/>
+        <a:cs typeface=""/>
+        <a:font script="Jpan" typeface="游ゴシック Light"/>
+        <a:font script="Hang" typeface="맑은 고딕"/>
+        <a:font script="Hans" typeface="等线 Light"/>
+        <a:font script="Hant" typeface="新細明體"/>
+        <a:font script="Arab" typeface="Times New Roman"/>
+        <a:font script="Hebr" typeface="Times New Roman"/>
+        <a:font script="Thai" typeface="Angsana New"/>
+        <a:font script="Ethi" typeface="Nyala"/>
+        <a:font script="Beng" typeface="Vrinda"/>
+        <a:font script="Gujr" typeface="Shruti"/>
+        <a:font script="Khmr" typeface="MoolBoran"/>
+        <a:font script="Knda" typeface="Tunga"/>
+        <a:font script="Guru" typeface="Raavi"/>
+        <a:font script="Cans" typeface="Euphemia"/>
+        <a:font script="Cher" typeface="Plantagenet Cherokee"/>
+        <a:font script="Yiii" typeface="Microsoft Yi Baiti"/>
+        <a:font script="Tibt" typeface="Microsoft Himalaya"/>
+        <a:font script="Thaa" typeface="MV Boli"/>
+        <a:font script="Deva" typeface="Mangal"/>
+        <a:font script="Telu" typeface="Gautami"/>
+        <a:font script="Taml" typeface="Latha"/>
+        <a:font script="Syrc" typeface="Estrangelo Edessa"/>
+        <a:font script="Orya" typeface="Kalinga"/>
+        <a:font script="Mlym" typeface="Kartika"/>
+        <a:font script="Laoo" typeface="DokChampa"/>
+        <a:font script="Sinh" typeface="Iskoola Pota"/>
+        <a:font script="Mong" typeface="Mongolian Baiti"/>
+        <a:font script="Viet" typeface="Times New Roman"/>
+        <a:font script="Uigh" typeface="Microsoft Uighur"/>
+        <a:font script="Geor" typeface="Sylfaen"/>
+        <a:font script="Armn" typeface="Arial"/>
+        <a:font script="Bugi" typeface="Leelawadee UI"/>
+        <a:font script="Bopo" typeface="Microsoft JhengHei"/>
+        <a:font script="Java" typeface="Javanese Text"/>
+        <a:font script="Lisu" typeface="Segoe UI"/>
+        <a:font script="Mymr" typeface="Myanmar Text"/>
+        <a:font script="Nkoo" typeface="Ebrima"/>
+        <a:font script="Olck" typeface="Nirmala UI"/>
+        <a:font script="Osma" typeface="Ebrima"/>
+        <a:font script="Phag" typeface="Phagspa"/>
+        <a:font script="Syrn" typeface="Estrangelo Edessa"/>
+        <a:font script="Syrj" typeface="Estrangelo Edessa"/>
+        <a:font script="Syre" typeface="Estrangelo Edessa"/>
+        <a:font script="Sora" typeface="Nirmala UI"/>
+        <a:font script="Tale" typeface="Microsoft Tai Le"/>
+        <a:font script="Talu" typeface="Microsoft New Tai Lue"/>
+        <a:font script="Tfng" typeface="Ebrima"/>
+      </a:majorFont>
+      <a:minorFont>
+        <a:latin typeface="Aptos" panose="02110004020202020204"/>
+        <a:ea typeface=""/>
+        <a:cs typeface=""/>
+        <a:font script="Jpan" typeface="游ゴシック"/>
+        <a:font script="Hang" typeface="맑은 고딕"/>
+        <a:font script="Hans" typeface="等线"/>
+        <a:font script="Hant" typeface="新細明體"/>
+        <a:font script="Arab" typeface="Arial"/>
+        <a:font script="Hebr" typeface="Arial"/>
+        <a:font script="Thai" typeface="Cordia New"/>
+        <a:font script="Ethi" typeface="Nyala"/>
+        <a:font script="Beng" typeface="Vrinda"/>
+        <a:font script="Gujr" typeface="Shruti"/>
+        <a:font script="Khmr" typeface="DaunPenh"/>
+        <a:font script="Knda" typeface="Tunga"/>
+        <a:font script="Guru" typeface="Raavi"/>
+        <a:font script="Cans" typeface="Euphemia"/>
+        <a:font script="Cher" typeface="Plantagenet Cherokee"/>
+        <a:font script="Yiii" typeface="Microsoft Yi Baiti"/>
+        <a:font script="Tibt" typeface="Microsoft Himalaya"/>
+        <a:font script="Thaa" typeface="MV Boli"/>
+        <a:font script="Deva" typeface="Mangal"/>
+        <a:font script="Telu" typeface="Gautami"/>
+        <a:font script="Taml" typeface="Latha"/>
+        <a:font script="Syrc" typeface="Estrangelo Edessa"/>
+        <a:font script="Orya" typeface="Kalinga"/>
+        <a:font script="Mlym" typeface="Kartika"/>
+        <a:font script="Laoo" typeface="DokChampa"/>
+        <a:font script="Sinh" typeface="Iskoola Pota"/>
+        <a:font script="Mong" typeface="Mongolian Baiti"/>
+        <a:font script="Viet" typeface="Arial"/>
+        <a:font script="Uigh" typeface="Microsoft Uighur"/>
+        <a:font script="Geor" typeface="Sylfaen"/>
+        <a:font script="Armn" typeface="Arial"/>
+        <a:font script="Bugi" typeface="Leelawadee UI"/>
+        <a:font script="Bopo" typeface="Microsoft JhengHei"/>
+        <a:font script="Java" typeface="Javanese Text"/>
+        <a:font script="Lisu" typeface="Segoe UI"/>
+        <a:font script="Mymr" typeface="Myanmar Text"/>
+        <a:font script="Nkoo" typeface="Ebrima"/>
+        <a:font script="Olck" typeface="Nirmala UI"/>
+        <a:font script="Osma" typeface="Ebrima"/>
+        <a:font script="Phag" typeface="Phagspa"/>
+        <a:font script="Syrn" typeface="Estrangelo Edessa"/>
+        <a:font script="Syrj" typeface="Estrangelo Edessa"/>
+        <a:font script="Syre" typeface="Estrangelo Edessa"/>
+        <a:font script="Sora" typeface="Nirmala UI"/>
+        <a:font script="Tale" typeface="Microsoft Tai Le"/>
+        <a:font script="Talu" typeface="Microsoft New Tai Lue"/>
+        <a:font script="Tfng" typeface="Ebrima"/>
+      </a:minorFont>
+    </a:fontScheme>
+    <a:fmtScheme name="Office">
+      <a:fillStyleLst>
+        <a:solidFill>
+          <a:schemeClr val="phClr"/>
+        </a:solidFill>
+        <a:gradFill rotWithShape="1">
+          <a:gsLst>
+            <a:gs pos="0">
+              <a:schemeClr val="phClr">
+                <a:lumMod val="110000"/>
+                <a:satMod val="105000"/>
+                <a:tint val="67000"/>
+              </a:schemeClr>
+            </a:gs>
+            <a:gs pos="50000">
+              <a:schemeClr val="phClr">
+                <a:lumMod val="105000"/>
+                <a:satMod val="103000"/>
+                <a:tint val="73000"/>
+              </a:schemeClr>
+            </a:gs>
+            <a:gs pos="100000">
+              <a:schemeClr val="phClr">
+                <a:lumMod val="105000"/>
+                <a:satMod val="109000"/>
+                <a:tint val="81000"/>
+              </a:schemeClr>
+            </a:gs>
+          </a:gsLst>
+          <a:lin ang="5400000" scaled="0"/>
+        </a:gradFill>
+        <a:gradFill rotWithShape="1">
+          <a:gsLst>
+            <a:gs pos="0">
+              <a:schemeClr val="phClr">
+                <a:satMod val="103000"/>
+                <a:lumMod val="102000"/>
+                <a:tint val="94000"/>
+              </a:schemeClr>
+            </a:gs>
+            <a:gs pos="50000">
+              <a:schemeClr val="phClr">
+                <a:satMod val="110000"/>
+                <a:lumMod val="100000"/>
+                <a:shade val="100000"/>
+              </a:schemeClr>
+            </a:gs>
+            <a:gs pos="100000">
+              <a:schemeClr val="phClr">
+                <a:lumMod val="99000"/>
+                <a:satMod val="120000"/>
+                <a:shade val="78000"/>
+              </a:schemeClr>
+            </a:gs>
+          </a:gsLst>
+          <a:lin ang="5400000" scaled="0"/>
+        </a:gradFill>
+      </a:fillStyleLst>
+      <a:lnStyleLst>
+        <a:ln w="12700" cap="flat" cmpd="sng" algn="ctr">
+          <a:solidFill>
+            <a:schemeClr val="phClr"/>
+          </a:solidFill>
+          <a:prstDash val="solid"/>
+          <a:miter lim="800000"/>
+        </a:ln>
+        <a:ln w="19050" cap="flat" cmpd="sng" algn="ctr">
+          <a:solidFill>
+            <a:schemeClr val="phClr"/>
+          </a:solidFill>
+          <a:prstDash val="solid"/>
+          <a:miter lim="800000"/>
+        </a:ln>
+        <a:ln w="25400" cap="flat" cmpd="sng" algn="ctr">
+          <a:solidFill>
+            <a:schemeClr val="phClr"/>
+          </a:solidFill>
+          <a:prstDash val="solid"/>
+          <a:miter lim="800000"/>
+        </a:ln>
+      </a:lnStyleLst>
+      <a:effectStyleLst>
+        <a:effectStyle>
+          <a:effectLst/>
+        </a:effectStyle>
+        <a:effectStyle>
+          <a:effectLst/>
+        </a:effectStyle>
+        <a:effectStyle>
+          <a:effectLst>
+            <a:outerShdw blurRad="57150" dist="19050" dir="5400000" algn="ctr" rotWithShape="0">
+              <a:srgbClr val="000000">
+                <a:alpha val="63000"/>
+              </a:srgbClr>
+            </a:outerShdw>
+          </a:effectLst>
+        </a:effectStyle>
+      </a:effectStyleLst>
+      <a:bgFillStyleLst>
+        <a:solidFill>
+          <a:schemeClr val="phClr"/>
+        </a:solidFill>
+        <a:solidFill>
+          <a:schemeClr val="phClr">
+            <a:tint val="95000"/>
+            <a:satMod val="170000"/>
+          </a:schemeClr>
+        </a:solidFill>
+        <a:gradFill rotWithShape="1">
+          <a:gsLst>
+            <a:gs pos="0">
+              <a:schemeClr val="phClr">
+                <a:tint val="93000"/>
+                <a:satMod val="150000"/>
+                <a:shade val="98000"/>
+                <a:lumMod val="102000"/>
+              </a:schemeClr>
+            </a:gs>
+            <a:gs pos="50000">
+              <a:schemeClr val="phClr">
+                <a:tint val="98000"/>
+                <a:satMod val="130000"/>
+                <a:shade val="90000"/>
+                <a:lumMod val="103000"/>
+              </a:schemeClr>
+            </a:gs>
+            <a:gs pos="100000">
+              <a:schemeClr val="phClr">
+                <a:shade val="63000"/>
+                <a:satMod val="120000"/>
+              </a:schemeClr>
+            </a:gs>
+          </a:gsLst>
+          <a:lin ang="5400000" scaled="0"/>
+        </a:gradFill>
+      </a:bgFillStyleLst>
+    </a:fmtScheme>
+  </a:themeElements>
+  <a:objectDefaults>
+    <a:lnDef>
+      <a:spPr/>
+      <a:bodyPr/>
+      <a:lstStyle/>
+      <a:style>
+        <a:lnRef idx="2">
+          <a:schemeClr val="accent1"/>
+        </a:lnRef>
+        <a:fillRef idx="0">
+          <a:schemeClr val="accent1"/>
+        </a:fillRef>
+        <a:effectRef idx="1">
+          <a:schemeClr val="accent1"/>
+        </a:effectRef>
+        <a:fontRef idx="minor">
+          <a:schemeClr val="tx1"/>
+        </a:fontRef>
+      </a:style>
+    </a:lnDef>
+  </a:objectDefaults>
+  <a:extraClrSchemeLst/>
+  <a:extLst>
+    <a:ext uri="{05A4C25C-085E-4340-85A3-A5531E510DB2}">
+      <thm15:themeFamily xmlns:thm15="http://schemas.microsoft.com/office/thememl/2012/main" name="Office Theme" id="{2E142A2C-CD16-42D6-873A-C26D2A0506FA}" vid="{1BDDFF52-6CD6-40A5-AB3C-68EB2F1E4D0A}"/>
+    </a:ext>
+  </a:extLst>
+</a:theme>
 </file>